--- a/Presentations/Khanlab_Robarts_BMI_ppt_template_4x3.pptx
+++ b/Presentations/Khanlab_Robarts_BMI_ppt_template_4x3.pptx
@@ -629,7 +629,7 @@
               <a:rPr lang="en-US" baseline="0" smtClean="0"/>
               <a:t>2</a:t>
             </a:fld>
-            <a:endParaRPr lang="en-US" baseline="0" dirty="0" smtClean="0"/>
+            <a:endParaRPr lang="en-US" baseline="0" dirty="0"/>
           </a:p>
         </p:txBody>
       </p:sp>
@@ -742,7 +742,7 @@
               <a:rPr lang="en-US" baseline="0" smtClean="0"/>
               <a:t>3</a:t>
             </a:fld>
-            <a:endParaRPr lang="en-US" baseline="0" dirty="0" smtClean="0"/>
+            <a:endParaRPr lang="en-US" baseline="0" dirty="0"/>
           </a:p>
         </p:txBody>
       </p:sp>
@@ -868,7 +868,7 @@
           </a:lstStyle>
           <a:p>
             <a:r>
-              <a:rPr lang="en-US" smtClean="0"/>
+              <a:rPr lang="en-US"/>
               <a:t>Click to edit Master title style</a:t>
             </a:r>
             <a:endParaRPr lang="en-CA" dirty="0"/>
@@ -939,7 +939,7 @@
           </a:lstStyle>
           <a:p>
             <a:r>
-              <a:rPr lang="en-US" smtClean="0"/>
+              <a:rPr lang="en-US"/>
               <a:t>Click to edit Master subtitle style</a:t>
             </a:r>
             <a:endParaRPr lang="en-CA"/>
@@ -948,22 +948,22 @@
       </p:sp>
       <p:pic>
         <p:nvPicPr>
-          <p:cNvPr id="11" name="Picture 9" descr="RRI_Photo"/>
+          <p:cNvPr id="11" name="Picture 9"/>
           <p:cNvPicPr>
             <a:picLocks noChangeAspect="1" noChangeArrowheads="1"/>
           </p:cNvPicPr>
           <p:nvPr userDrawn="1"/>
         </p:nvPicPr>
         <p:blipFill>
-          <a:blip r:embed="rId2" cstate="print"/>
+          <a:blip r:embed="rId2"/>
           <a:stretch>
             <a:fillRect/>
           </a:stretch>
         </p:blipFill>
         <p:spPr bwMode="auto">
           <a:xfrm>
-            <a:off x="1573184" y="128734"/>
-            <a:ext cx="5997633" cy="3981796"/>
+            <a:off x="1917470" y="128734"/>
+            <a:ext cx="5309061" cy="3981796"/>
           </a:xfrm>
           <a:prstGeom prst="rect">
             <a:avLst/>
@@ -1103,13 +1103,6 @@
   <p:clrMapOvr>
     <a:masterClrMapping/>
   </p:clrMapOvr>
-  <p:timing>
-    <p:tnLst>
-      <p:par>
-        <p:cTn id="1" dur="indefinite" restart="never" nodeType="tmRoot"/>
-      </p:par>
-    </p:tnLst>
-  </p:timing>
 </p:sldLayout>
 </file>
 
@@ -1146,7 +1139,7 @@
           <a:lstStyle/>
           <a:p>
             <a:r>
-              <a:rPr lang="en-US" smtClean="0"/>
+              <a:rPr lang="en-US"/>
               <a:t>Click to edit Master title style</a:t>
             </a:r>
             <a:endParaRPr lang="en-CA"/>
@@ -1170,35 +1163,35 @@
           <a:p>
             <a:pPr lvl="0"/>
             <a:r>
-              <a:rPr lang="en-US" smtClean="0"/>
+              <a:rPr lang="en-US"/>
               <a:t>Click to edit Master text styles</a:t>
             </a:r>
           </a:p>
           <a:p>
             <a:pPr lvl="1"/>
             <a:r>
-              <a:rPr lang="en-US" smtClean="0"/>
+              <a:rPr lang="en-US"/>
               <a:t>Second level</a:t>
             </a:r>
           </a:p>
           <a:p>
             <a:pPr lvl="2"/>
             <a:r>
-              <a:rPr lang="en-US" smtClean="0"/>
+              <a:rPr lang="en-US"/>
               <a:t>Third level</a:t>
             </a:r>
           </a:p>
           <a:p>
             <a:pPr lvl="3"/>
             <a:r>
-              <a:rPr lang="en-US" smtClean="0"/>
+              <a:rPr lang="en-US"/>
               <a:t>Fourth level</a:t>
             </a:r>
           </a:p>
           <a:p>
             <a:pPr lvl="4"/>
             <a:r>
-              <a:rPr lang="en-US" smtClean="0"/>
+              <a:rPr lang="en-US"/>
               <a:t>Fifth level</a:t>
             </a:r>
             <a:endParaRPr lang="en-CA"/>
@@ -1309,13 +1302,6 @@
   <p:clrMapOvr>
     <a:masterClrMapping/>
   </p:clrMapOvr>
-  <p:timing>
-    <p:tnLst>
-      <p:par>
-        <p:cTn id="1" dur="indefinite" restart="never" nodeType="tmRoot"/>
-      </p:par>
-    </p:tnLst>
-  </p:timing>
 </p:sldLayout>
 </file>
 
@@ -1357,7 +1343,7 @@
           <a:lstStyle/>
           <a:p>
             <a:r>
-              <a:rPr lang="en-US" smtClean="0"/>
+              <a:rPr lang="en-US"/>
               <a:t>Click to edit Master title style</a:t>
             </a:r>
             <a:endParaRPr lang="en-CA"/>
@@ -1386,35 +1372,35 @@
           <a:p>
             <a:pPr lvl="0"/>
             <a:r>
-              <a:rPr lang="en-US" smtClean="0"/>
+              <a:rPr lang="en-US"/>
               <a:t>Click to edit Master text styles</a:t>
             </a:r>
           </a:p>
           <a:p>
             <a:pPr lvl="1"/>
             <a:r>
-              <a:rPr lang="en-US" smtClean="0"/>
+              <a:rPr lang="en-US"/>
               <a:t>Second level</a:t>
             </a:r>
           </a:p>
           <a:p>
             <a:pPr lvl="2"/>
             <a:r>
-              <a:rPr lang="en-US" smtClean="0"/>
+              <a:rPr lang="en-US"/>
               <a:t>Third level</a:t>
             </a:r>
           </a:p>
           <a:p>
             <a:pPr lvl="3"/>
             <a:r>
-              <a:rPr lang="en-US" smtClean="0"/>
+              <a:rPr lang="en-US"/>
               <a:t>Fourth level</a:t>
             </a:r>
           </a:p>
           <a:p>
             <a:pPr lvl="4"/>
             <a:r>
-              <a:rPr lang="en-US" smtClean="0"/>
+              <a:rPr lang="en-US"/>
               <a:t>Fifth level</a:t>
             </a:r>
             <a:endParaRPr lang="en-CA"/>
@@ -1525,13 +1511,6 @@
   <p:clrMapOvr>
     <a:masterClrMapping/>
   </p:clrMapOvr>
-  <p:timing>
-    <p:tnLst>
-      <p:par>
-        <p:cTn id="1" dur="indefinite" restart="never" nodeType="tmRoot"/>
-      </p:par>
-    </p:tnLst>
-  </p:timing>
 </p:sldLayout>
 </file>
 
@@ -1573,7 +1552,7 @@
           <a:lstStyle/>
           <a:p>
             <a:r>
-              <a:rPr lang="en-US" smtClean="0"/>
+              <a:rPr lang="en-US"/>
               <a:t>Click to edit Master title style</a:t>
             </a:r>
             <a:endParaRPr lang="en-CA"/>
@@ -1602,35 +1581,35 @@
           <a:p>
             <a:pPr lvl="0"/>
             <a:r>
-              <a:rPr lang="en-US" smtClean="0"/>
+              <a:rPr lang="en-US"/>
               <a:t>Click to edit Master text styles</a:t>
             </a:r>
           </a:p>
           <a:p>
             <a:pPr lvl="1"/>
             <a:r>
-              <a:rPr lang="en-US" smtClean="0"/>
+              <a:rPr lang="en-US"/>
               <a:t>Second level</a:t>
             </a:r>
           </a:p>
           <a:p>
             <a:pPr lvl="2"/>
             <a:r>
-              <a:rPr lang="en-US" smtClean="0"/>
+              <a:rPr lang="en-US"/>
               <a:t>Third level</a:t>
             </a:r>
           </a:p>
           <a:p>
             <a:pPr lvl="3"/>
             <a:r>
-              <a:rPr lang="en-US" smtClean="0"/>
+              <a:rPr lang="en-US"/>
               <a:t>Fourth level</a:t>
             </a:r>
           </a:p>
           <a:p>
             <a:pPr lvl="4"/>
             <a:r>
-              <a:rPr lang="en-US" smtClean="0"/>
+              <a:rPr lang="en-US"/>
               <a:t>Fifth level</a:t>
             </a:r>
             <a:endParaRPr lang="en-CA"/>
@@ -1659,35 +1638,35 @@
           <a:p>
             <a:pPr lvl="0"/>
             <a:r>
-              <a:rPr lang="en-US" smtClean="0"/>
+              <a:rPr lang="en-US"/>
               <a:t>Click to edit Master text styles</a:t>
             </a:r>
           </a:p>
           <a:p>
             <a:pPr lvl="1"/>
             <a:r>
-              <a:rPr lang="en-US" smtClean="0"/>
+              <a:rPr lang="en-US"/>
               <a:t>Second level</a:t>
             </a:r>
           </a:p>
           <a:p>
             <a:pPr lvl="2"/>
             <a:r>
-              <a:rPr lang="en-US" smtClean="0"/>
+              <a:rPr lang="en-US"/>
               <a:t>Third level</a:t>
             </a:r>
           </a:p>
           <a:p>
             <a:pPr lvl="3"/>
             <a:r>
-              <a:rPr lang="en-US" smtClean="0"/>
+              <a:rPr lang="en-US"/>
               <a:t>Fourth level</a:t>
             </a:r>
           </a:p>
           <a:p>
             <a:pPr lvl="4"/>
             <a:r>
-              <a:rPr lang="en-US" smtClean="0"/>
+              <a:rPr lang="en-US"/>
               <a:t>Fifth level</a:t>
             </a:r>
             <a:endParaRPr lang="en-CA"/>
@@ -1803,13 +1782,6 @@
   <p:clrMapOvr>
     <a:masterClrMapping/>
   </p:clrMapOvr>
-  <p:timing>
-    <p:tnLst>
-      <p:par>
-        <p:cTn id="1" dur="indefinite" restart="never" nodeType="tmRoot"/>
-      </p:par>
-    </p:tnLst>
-  </p:timing>
 </p:sldLayout>
 </file>
 
@@ -1852,35 +1824,35 @@
           <a:p>
             <a:pPr lvl="0"/>
             <a:r>
-              <a:rPr lang="en-US" smtClean="0"/>
+              <a:rPr lang="en-US"/>
               <a:t>Click to edit Master text styles</a:t>
             </a:r>
           </a:p>
           <a:p>
             <a:pPr lvl="1"/>
             <a:r>
-              <a:rPr lang="en-US" smtClean="0"/>
+              <a:rPr lang="en-US"/>
               <a:t>Second level</a:t>
             </a:r>
           </a:p>
           <a:p>
             <a:pPr lvl="2"/>
             <a:r>
-              <a:rPr lang="en-US" smtClean="0"/>
+              <a:rPr lang="en-US"/>
               <a:t>Third level</a:t>
             </a:r>
           </a:p>
           <a:p>
             <a:pPr lvl="3"/>
             <a:r>
-              <a:rPr lang="en-US" smtClean="0"/>
+              <a:rPr lang="en-US"/>
               <a:t>Fourth level</a:t>
             </a:r>
           </a:p>
           <a:p>
             <a:pPr lvl="4"/>
             <a:r>
-              <a:rPr lang="en-US" smtClean="0"/>
+              <a:rPr lang="en-US"/>
               <a:t>Fifth level</a:t>
             </a:r>
             <a:endParaRPr lang="en-CA"/>
@@ -1996,13 +1968,6 @@
   <p:clrMapOvr>
     <a:masterClrMapping/>
   </p:clrMapOvr>
-  <p:timing>
-    <p:tnLst>
-      <p:par>
-        <p:cTn id="1" dur="indefinite" restart="never" nodeType="tmRoot"/>
-      </p:par>
-    </p:tnLst>
-  </p:timing>
 </p:sldLayout>
 </file>
 
@@ -2039,7 +2004,7 @@
           <a:lstStyle/>
           <a:p>
             <a:r>
-              <a:rPr lang="en-US" smtClean="0"/>
+              <a:rPr lang="en-US"/>
               <a:t>Click to edit Master title style</a:t>
             </a:r>
             <a:endParaRPr lang="en-CA"/>
@@ -2146,13 +2111,6 @@
   <p:clrMapOvr>
     <a:masterClrMapping/>
   </p:clrMapOvr>
-  <p:timing>
-    <p:tnLst>
-      <p:par>
-        <p:cTn id="1" dur="indefinite" restart="never" nodeType="tmRoot"/>
-      </p:par>
-    </p:tnLst>
-  </p:timing>
 </p:sldLayout>
 </file>
 
@@ -2189,7 +2147,7 @@
           <a:lstStyle/>
           <a:p>
             <a:r>
-              <a:rPr lang="en-US" smtClean="0"/>
+              <a:rPr lang="en-US"/>
               <a:t>Click to edit Master title style</a:t>
             </a:r>
             <a:endParaRPr lang="en-CA"/>
@@ -2296,13 +2254,6 @@
   <p:clrMapOvr>
     <a:masterClrMapping/>
   </p:clrMapOvr>
-  <p:timing>
-    <p:tnLst>
-      <p:par>
-        <p:cTn id="1" dur="indefinite" restart="never" nodeType="tmRoot"/>
-      </p:par>
-    </p:tnLst>
-  </p:timing>
 </p:sldLayout>
 </file>
 
@@ -2344,7 +2295,7 @@
           <a:lstStyle/>
           <a:p>
             <a:r>
-              <a:rPr lang="en-US" smtClean="0"/>
+              <a:rPr lang="en-US"/>
               <a:t>Click to edit Master title style</a:t>
             </a:r>
             <a:endParaRPr lang="en-CA"/>
@@ -2373,35 +2324,35 @@
           <a:p>
             <a:pPr lvl="0"/>
             <a:r>
-              <a:rPr lang="en-US" smtClean="0"/>
+              <a:rPr lang="en-US"/>
               <a:t>Click to edit Master text styles</a:t>
             </a:r>
           </a:p>
           <a:p>
             <a:pPr lvl="1"/>
             <a:r>
-              <a:rPr lang="en-US" smtClean="0"/>
+              <a:rPr lang="en-US"/>
               <a:t>Second level</a:t>
             </a:r>
           </a:p>
           <a:p>
             <a:pPr lvl="2"/>
             <a:r>
-              <a:rPr lang="en-US" smtClean="0"/>
+              <a:rPr lang="en-US"/>
               <a:t>Third level</a:t>
             </a:r>
           </a:p>
           <a:p>
             <a:pPr lvl="3"/>
             <a:r>
-              <a:rPr lang="en-US" smtClean="0"/>
+              <a:rPr lang="en-US"/>
               <a:t>Fourth level</a:t>
             </a:r>
           </a:p>
           <a:p>
             <a:pPr lvl="4"/>
             <a:r>
-              <a:rPr lang="en-US" smtClean="0"/>
+              <a:rPr lang="en-US"/>
               <a:t>Fifth level</a:t>
             </a:r>
             <a:endParaRPr lang="en-CA"/>
@@ -2430,35 +2381,35 @@
           <a:p>
             <a:pPr lvl="0"/>
             <a:r>
-              <a:rPr lang="en-US" smtClean="0"/>
+              <a:rPr lang="en-US"/>
               <a:t>Click to edit Master text styles</a:t>
             </a:r>
           </a:p>
           <a:p>
             <a:pPr lvl="1"/>
             <a:r>
-              <a:rPr lang="en-US" smtClean="0"/>
+              <a:rPr lang="en-US"/>
               <a:t>Second level</a:t>
             </a:r>
           </a:p>
           <a:p>
             <a:pPr lvl="2"/>
             <a:r>
-              <a:rPr lang="en-US" smtClean="0"/>
+              <a:rPr lang="en-US"/>
               <a:t>Third level</a:t>
             </a:r>
           </a:p>
           <a:p>
             <a:pPr lvl="3"/>
             <a:r>
-              <a:rPr lang="en-US" smtClean="0"/>
+              <a:rPr lang="en-US"/>
               <a:t>Fourth level</a:t>
             </a:r>
           </a:p>
           <a:p>
             <a:pPr lvl="4"/>
             <a:r>
-              <a:rPr lang="en-US" smtClean="0"/>
+              <a:rPr lang="en-US"/>
               <a:t>Fifth level</a:t>
             </a:r>
             <a:endParaRPr lang="en-CA"/>
@@ -2487,35 +2438,35 @@
           <a:p>
             <a:pPr lvl="0"/>
             <a:r>
-              <a:rPr lang="en-US" smtClean="0"/>
+              <a:rPr lang="en-US"/>
               <a:t>Click to edit Master text styles</a:t>
             </a:r>
           </a:p>
           <a:p>
             <a:pPr lvl="1"/>
             <a:r>
-              <a:rPr lang="en-US" smtClean="0"/>
+              <a:rPr lang="en-US"/>
               <a:t>Second level</a:t>
             </a:r>
           </a:p>
           <a:p>
             <a:pPr lvl="2"/>
             <a:r>
-              <a:rPr lang="en-US" smtClean="0"/>
+              <a:rPr lang="en-US"/>
               <a:t>Third level</a:t>
             </a:r>
           </a:p>
           <a:p>
             <a:pPr lvl="3"/>
             <a:r>
-              <a:rPr lang="en-US" smtClean="0"/>
+              <a:rPr lang="en-US"/>
               <a:t>Fourth level</a:t>
             </a:r>
           </a:p>
           <a:p>
             <a:pPr lvl="4"/>
             <a:r>
-              <a:rPr lang="en-US" smtClean="0"/>
+              <a:rPr lang="en-US"/>
               <a:t>Fifth level</a:t>
             </a:r>
             <a:endParaRPr lang="en-CA"/>
@@ -2631,13 +2582,6 @@
   <p:clrMapOvr>
     <a:masterClrMapping/>
   </p:clrMapOvr>
-  <p:timing>
-    <p:tnLst>
-      <p:par>
-        <p:cTn id="1" dur="indefinite" restart="never" nodeType="tmRoot"/>
-      </p:par>
-    </p:tnLst>
-  </p:timing>
 </p:sldLayout>
 </file>
 
@@ -2679,7 +2623,7 @@
           <a:lstStyle/>
           <a:p>
             <a:r>
-              <a:rPr lang="en-US" smtClean="0"/>
+              <a:rPr lang="en-US"/>
               <a:t>Click to edit Master title style</a:t>
             </a:r>
             <a:endParaRPr lang="en-CA"/>
@@ -2708,35 +2652,35 @@
           <a:p>
             <a:pPr lvl="0"/>
             <a:r>
-              <a:rPr lang="en-US" smtClean="0"/>
+              <a:rPr lang="en-US"/>
               <a:t>Click to edit Master text styles</a:t>
             </a:r>
           </a:p>
           <a:p>
             <a:pPr lvl="1"/>
             <a:r>
-              <a:rPr lang="en-US" smtClean="0"/>
+              <a:rPr lang="en-US"/>
               <a:t>Second level</a:t>
             </a:r>
           </a:p>
           <a:p>
             <a:pPr lvl="2"/>
             <a:r>
-              <a:rPr lang="en-US" smtClean="0"/>
+              <a:rPr lang="en-US"/>
               <a:t>Third level</a:t>
             </a:r>
           </a:p>
           <a:p>
             <a:pPr lvl="3"/>
             <a:r>
-              <a:rPr lang="en-US" smtClean="0"/>
+              <a:rPr lang="en-US"/>
               <a:t>Fourth level</a:t>
             </a:r>
           </a:p>
           <a:p>
             <a:pPr lvl="4"/>
             <a:r>
-              <a:rPr lang="en-US" smtClean="0"/>
+              <a:rPr lang="en-US"/>
               <a:t>Fifth level</a:t>
             </a:r>
             <a:endParaRPr lang="en-CA"/>
@@ -2764,7 +2708,7 @@
           <a:lstStyle/>
           <a:p>
             <a:r>
-              <a:rPr lang="en-US" smtClean="0"/>
+              <a:rPr lang="en-US"/>
               <a:t>Click icon to add media</a:t>
             </a:r>
             <a:endParaRPr lang="en-CA"/>
@@ -2880,13 +2824,6 @@
   <p:clrMapOvr>
     <a:masterClrMapping/>
   </p:clrMapOvr>
-  <p:timing>
-    <p:tnLst>
-      <p:par>
-        <p:cTn id="1" dur="indefinite" restart="never" nodeType="tmRoot"/>
-      </p:par>
-    </p:tnLst>
-  </p:timing>
 </p:sldLayout>
 </file>
 
@@ -2928,7 +2865,7 @@
           <a:lstStyle/>
           <a:p>
             <a:r>
-              <a:rPr lang="en-US" smtClean="0"/>
+              <a:rPr lang="en-US"/>
               <a:t>Click to edit Master title style</a:t>
             </a:r>
             <a:endParaRPr lang="en-CA"/>
@@ -2957,35 +2894,35 @@
           <a:p>
             <a:pPr lvl="0"/>
             <a:r>
-              <a:rPr lang="en-US" smtClean="0"/>
+              <a:rPr lang="en-US"/>
               <a:t>Click to edit Master text styles</a:t>
             </a:r>
           </a:p>
           <a:p>
             <a:pPr lvl="1"/>
             <a:r>
-              <a:rPr lang="en-US" smtClean="0"/>
+              <a:rPr lang="en-US"/>
               <a:t>Second level</a:t>
             </a:r>
           </a:p>
           <a:p>
             <a:pPr lvl="2"/>
             <a:r>
-              <a:rPr lang="en-US" smtClean="0"/>
+              <a:rPr lang="en-US"/>
               <a:t>Third level</a:t>
             </a:r>
           </a:p>
           <a:p>
             <a:pPr lvl="3"/>
             <a:r>
-              <a:rPr lang="en-US" smtClean="0"/>
+              <a:rPr lang="en-US"/>
               <a:t>Fourth level</a:t>
             </a:r>
           </a:p>
           <a:p>
             <a:pPr lvl="4"/>
             <a:r>
-              <a:rPr lang="en-US" smtClean="0"/>
+              <a:rPr lang="en-US"/>
               <a:t>Fifth level</a:t>
             </a:r>
             <a:endParaRPr lang="en-CA"/>
@@ -3014,35 +2951,35 @@
           <a:p>
             <a:pPr lvl="0"/>
             <a:r>
-              <a:rPr lang="en-US" smtClean="0"/>
+              <a:rPr lang="en-US"/>
               <a:t>Click to edit Master text styles</a:t>
             </a:r>
           </a:p>
           <a:p>
             <a:pPr lvl="1"/>
             <a:r>
-              <a:rPr lang="en-US" smtClean="0"/>
+              <a:rPr lang="en-US"/>
               <a:t>Second level</a:t>
             </a:r>
           </a:p>
           <a:p>
             <a:pPr lvl="2"/>
             <a:r>
-              <a:rPr lang="en-US" smtClean="0"/>
+              <a:rPr lang="en-US"/>
               <a:t>Third level</a:t>
             </a:r>
           </a:p>
           <a:p>
             <a:pPr lvl="3"/>
             <a:r>
-              <a:rPr lang="en-US" smtClean="0"/>
+              <a:rPr lang="en-US"/>
               <a:t>Fourth level</a:t>
             </a:r>
           </a:p>
           <a:p>
             <a:pPr lvl="4"/>
             <a:r>
-              <a:rPr lang="en-US" smtClean="0"/>
+              <a:rPr lang="en-US"/>
               <a:t>Fifth level</a:t>
             </a:r>
             <a:endParaRPr lang="en-CA"/>
@@ -3071,35 +3008,35 @@
           <a:p>
             <a:pPr lvl="0"/>
             <a:r>
-              <a:rPr lang="en-US" smtClean="0"/>
+              <a:rPr lang="en-US"/>
               <a:t>Click to edit Master text styles</a:t>
             </a:r>
           </a:p>
           <a:p>
             <a:pPr lvl="1"/>
             <a:r>
-              <a:rPr lang="en-US" smtClean="0"/>
+              <a:rPr lang="en-US"/>
               <a:t>Second level</a:t>
             </a:r>
           </a:p>
           <a:p>
             <a:pPr lvl="2"/>
             <a:r>
-              <a:rPr lang="en-US" smtClean="0"/>
+              <a:rPr lang="en-US"/>
               <a:t>Third level</a:t>
             </a:r>
           </a:p>
           <a:p>
             <a:pPr lvl="3"/>
             <a:r>
-              <a:rPr lang="en-US" smtClean="0"/>
+              <a:rPr lang="en-US"/>
               <a:t>Fourth level</a:t>
             </a:r>
           </a:p>
           <a:p>
             <a:pPr lvl="4"/>
             <a:r>
-              <a:rPr lang="en-US" smtClean="0"/>
+              <a:rPr lang="en-US"/>
               <a:t>Fifth level</a:t>
             </a:r>
             <a:endParaRPr lang="en-CA"/>
@@ -3128,35 +3065,35 @@
           <a:p>
             <a:pPr lvl="0"/>
             <a:r>
-              <a:rPr lang="en-US" smtClean="0"/>
+              <a:rPr lang="en-US"/>
               <a:t>Click to edit Master text styles</a:t>
             </a:r>
           </a:p>
           <a:p>
             <a:pPr lvl="1"/>
             <a:r>
-              <a:rPr lang="en-US" smtClean="0"/>
+              <a:rPr lang="en-US"/>
               <a:t>Second level</a:t>
             </a:r>
           </a:p>
           <a:p>
             <a:pPr lvl="2"/>
             <a:r>
-              <a:rPr lang="en-US" smtClean="0"/>
+              <a:rPr lang="en-US"/>
               <a:t>Third level</a:t>
             </a:r>
           </a:p>
           <a:p>
             <a:pPr lvl="3"/>
             <a:r>
-              <a:rPr lang="en-US" smtClean="0"/>
+              <a:rPr lang="en-US"/>
               <a:t>Fourth level</a:t>
             </a:r>
           </a:p>
           <a:p>
             <a:pPr lvl="4"/>
             <a:r>
-              <a:rPr lang="en-US" smtClean="0"/>
+              <a:rPr lang="en-US"/>
               <a:t>Fifth level</a:t>
             </a:r>
             <a:endParaRPr lang="en-CA"/>
@@ -3272,13 +3209,6 @@
   <p:clrMapOvr>
     <a:masterClrMapping/>
   </p:clrMapOvr>
-  <p:timing>
-    <p:tnLst>
-      <p:par>
-        <p:cTn id="1" dur="indefinite" restart="never" nodeType="tmRoot"/>
-      </p:par>
-    </p:tnLst>
-  </p:timing>
 </p:sldLayout>
 </file>
 
@@ -3320,7 +3250,7 @@
           <a:lstStyle/>
           <a:p>
             <a:r>
-              <a:rPr lang="en-US" smtClean="0"/>
+              <a:rPr lang="en-US"/>
               <a:t>Click to edit Master title style</a:t>
             </a:r>
             <a:endParaRPr lang="en-CA"/>
@@ -3349,35 +3279,35 @@
           <a:p>
             <a:pPr lvl="0"/>
             <a:r>
-              <a:rPr lang="en-US" smtClean="0"/>
+              <a:rPr lang="en-US"/>
               <a:t>Click to edit Master text styles</a:t>
             </a:r>
           </a:p>
           <a:p>
             <a:pPr lvl="1"/>
             <a:r>
-              <a:rPr lang="en-US" smtClean="0"/>
+              <a:rPr lang="en-US"/>
               <a:t>Second level</a:t>
             </a:r>
           </a:p>
           <a:p>
             <a:pPr lvl="2"/>
             <a:r>
-              <a:rPr lang="en-US" smtClean="0"/>
+              <a:rPr lang="en-US"/>
               <a:t>Third level</a:t>
             </a:r>
           </a:p>
           <a:p>
             <a:pPr lvl="3"/>
             <a:r>
-              <a:rPr lang="en-US" smtClean="0"/>
+              <a:rPr lang="en-US"/>
               <a:t>Fourth level</a:t>
             </a:r>
           </a:p>
           <a:p>
             <a:pPr lvl="4"/>
             <a:r>
-              <a:rPr lang="en-US" smtClean="0"/>
+              <a:rPr lang="en-US"/>
               <a:t>Fifth level</a:t>
             </a:r>
             <a:endParaRPr lang="en-CA"/>
@@ -3406,35 +3336,35 @@
           <a:p>
             <a:pPr lvl="0"/>
             <a:r>
-              <a:rPr lang="en-US" smtClean="0"/>
+              <a:rPr lang="en-US"/>
               <a:t>Click to edit Master text styles</a:t>
             </a:r>
           </a:p>
           <a:p>
             <a:pPr lvl="1"/>
             <a:r>
-              <a:rPr lang="en-US" smtClean="0"/>
+              <a:rPr lang="en-US"/>
               <a:t>Second level</a:t>
             </a:r>
           </a:p>
           <a:p>
             <a:pPr lvl="2"/>
             <a:r>
-              <a:rPr lang="en-US" smtClean="0"/>
+              <a:rPr lang="en-US"/>
               <a:t>Third level</a:t>
             </a:r>
           </a:p>
           <a:p>
             <a:pPr lvl="3"/>
             <a:r>
-              <a:rPr lang="en-US" smtClean="0"/>
+              <a:rPr lang="en-US"/>
               <a:t>Fourth level</a:t>
             </a:r>
           </a:p>
           <a:p>
             <a:pPr lvl="4"/>
             <a:r>
-              <a:rPr lang="en-US" smtClean="0"/>
+              <a:rPr lang="en-US"/>
               <a:t>Fifth level</a:t>
             </a:r>
             <a:endParaRPr lang="en-CA"/>
@@ -3463,35 +3393,35 @@
           <a:p>
             <a:pPr lvl="0"/>
             <a:r>
-              <a:rPr lang="en-US" smtClean="0"/>
+              <a:rPr lang="en-US"/>
               <a:t>Click to edit Master text styles</a:t>
             </a:r>
           </a:p>
           <a:p>
             <a:pPr lvl="1"/>
             <a:r>
-              <a:rPr lang="en-US" smtClean="0"/>
+              <a:rPr lang="en-US"/>
               <a:t>Second level</a:t>
             </a:r>
           </a:p>
           <a:p>
             <a:pPr lvl="2"/>
             <a:r>
-              <a:rPr lang="en-US" smtClean="0"/>
+              <a:rPr lang="en-US"/>
               <a:t>Third level</a:t>
             </a:r>
           </a:p>
           <a:p>
             <a:pPr lvl="3"/>
             <a:r>
-              <a:rPr lang="en-US" smtClean="0"/>
+              <a:rPr lang="en-US"/>
               <a:t>Fourth level</a:t>
             </a:r>
           </a:p>
           <a:p>
             <a:pPr lvl="4"/>
             <a:r>
-              <a:rPr lang="en-US" smtClean="0"/>
+              <a:rPr lang="en-US"/>
               <a:t>Fifth level</a:t>
             </a:r>
             <a:endParaRPr lang="en-CA"/>
@@ -3607,13 +3537,6 @@
   <p:clrMapOvr>
     <a:masterClrMapping/>
   </p:clrMapOvr>
-  <p:timing>
-    <p:tnLst>
-      <p:par>
-        <p:cTn id="1" dur="indefinite" restart="never" nodeType="tmRoot"/>
-      </p:par>
-    </p:tnLst>
-  </p:timing>
 </p:sldLayout>
 </file>
 
@@ -3650,7 +3573,7 @@
           <a:lstStyle/>
           <a:p>
             <a:r>
-              <a:rPr lang="en-US" smtClean="0"/>
+              <a:rPr lang="en-US"/>
               <a:t>Click to edit Master title style</a:t>
             </a:r>
             <a:endParaRPr lang="en-CA" dirty="0"/>
@@ -3674,35 +3597,35 @@
           <a:p>
             <a:pPr lvl="0"/>
             <a:r>
-              <a:rPr lang="en-US" smtClean="0"/>
+              <a:rPr lang="en-US"/>
               <a:t>Click to edit Master text styles</a:t>
             </a:r>
           </a:p>
           <a:p>
             <a:pPr lvl="1"/>
             <a:r>
-              <a:rPr lang="en-US" smtClean="0"/>
+              <a:rPr lang="en-US"/>
               <a:t>Second level</a:t>
             </a:r>
           </a:p>
           <a:p>
             <a:pPr lvl="2"/>
             <a:r>
-              <a:rPr lang="en-US" smtClean="0"/>
+              <a:rPr lang="en-US"/>
               <a:t>Third level</a:t>
             </a:r>
           </a:p>
           <a:p>
             <a:pPr lvl="3"/>
             <a:r>
-              <a:rPr lang="en-US" smtClean="0"/>
+              <a:rPr lang="en-US"/>
               <a:t>Fourth level</a:t>
             </a:r>
           </a:p>
           <a:p>
             <a:pPr lvl="4"/>
             <a:r>
-              <a:rPr lang="en-US" smtClean="0"/>
+              <a:rPr lang="en-US"/>
               <a:t>Fifth level</a:t>
             </a:r>
             <a:endParaRPr lang="en-CA" dirty="0"/>
@@ -3793,13 +3716,6 @@
   <p:clrMapOvr>
     <a:masterClrMapping/>
   </p:clrMapOvr>
-  <p:timing>
-    <p:tnLst>
-      <p:par>
-        <p:cTn id="1" dur="indefinite" restart="never" nodeType="tmRoot"/>
-      </p:par>
-    </p:tnLst>
-  </p:timing>
 </p:sldLayout>
 </file>
 
@@ -4330,10 +4246,9 @@
           </a:lstStyle>
           <a:p>
             <a:r>
-              <a:rPr lang="en-US" smtClean="0"/>
+              <a:rPr lang="en-US"/>
               <a:t>Click to edit Master title style</a:t>
             </a:r>
-            <a:endParaRPr lang="en-US"/>
           </a:p>
         </p:txBody>
       </p:sp>
@@ -4395,10 +4310,9 @@
           </a:lstStyle>
           <a:p>
             <a:r>
-              <a:rPr lang="en-US" smtClean="0"/>
+              <a:rPr lang="en-US"/>
               <a:t>Click to edit Master subtitle style</a:t>
             </a:r>
-            <a:endParaRPr lang="en-US"/>
           </a:p>
         </p:txBody>
       </p:sp>
@@ -4534,10 +4448,9 @@
           <a:lstStyle/>
           <a:p>
             <a:r>
-              <a:rPr lang="en-US" smtClean="0"/>
+              <a:rPr lang="en-US"/>
               <a:t>Click to edit Master title style</a:t>
             </a:r>
-            <a:endParaRPr lang="en-US"/>
           </a:p>
         </p:txBody>
       </p:sp>
@@ -4558,38 +4471,37 @@
           <a:p>
             <a:pPr lvl="0"/>
             <a:r>
-              <a:rPr lang="en-US" smtClean="0"/>
+              <a:rPr lang="en-US"/>
               <a:t>Click to edit Master text styles</a:t>
             </a:r>
           </a:p>
           <a:p>
             <a:pPr lvl="1"/>
             <a:r>
-              <a:rPr lang="en-US" smtClean="0"/>
+              <a:rPr lang="en-US"/>
               <a:t>Second level</a:t>
             </a:r>
           </a:p>
           <a:p>
             <a:pPr lvl="2"/>
             <a:r>
-              <a:rPr lang="en-US" smtClean="0"/>
+              <a:rPr lang="en-US"/>
               <a:t>Third level</a:t>
             </a:r>
           </a:p>
           <a:p>
             <a:pPr lvl="3"/>
             <a:r>
-              <a:rPr lang="en-US" smtClean="0"/>
+              <a:rPr lang="en-US"/>
               <a:t>Fourth level</a:t>
             </a:r>
           </a:p>
           <a:p>
             <a:pPr lvl="4"/>
             <a:r>
-              <a:rPr lang="en-US" smtClean="0"/>
+              <a:rPr lang="en-US"/>
               <a:t>Fifth level</a:t>
             </a:r>
-            <a:endParaRPr lang="en-US"/>
           </a:p>
         </p:txBody>
       </p:sp>
@@ -4734,10 +4646,9 @@
           </a:lstStyle>
           <a:p>
             <a:r>
-              <a:rPr lang="en-US" smtClean="0"/>
+              <a:rPr lang="en-US"/>
               <a:t>Click to edit Master title style</a:t>
             </a:r>
-            <a:endParaRPr lang="en-US"/>
           </a:p>
         </p:txBody>
       </p:sp>
@@ -4854,7 +4765,7 @@
           <a:p>
             <a:pPr lvl="0"/>
             <a:r>
-              <a:rPr lang="en-US" smtClean="0"/>
+              <a:rPr lang="en-US"/>
               <a:t>Click to edit Master text styles</a:t>
             </a:r>
           </a:p>
@@ -4992,10 +4903,9 @@
           <a:lstStyle/>
           <a:p>
             <a:r>
-              <a:rPr lang="en-US" smtClean="0"/>
+              <a:rPr lang="en-US"/>
               <a:t>Click to edit Master title style</a:t>
             </a:r>
-            <a:endParaRPr lang="en-US"/>
           </a:p>
         </p:txBody>
       </p:sp>
@@ -5021,38 +4931,37 @@
           <a:p>
             <a:pPr lvl="0"/>
             <a:r>
-              <a:rPr lang="en-US" smtClean="0"/>
+              <a:rPr lang="en-US"/>
               <a:t>Click to edit Master text styles</a:t>
             </a:r>
           </a:p>
           <a:p>
             <a:pPr lvl="1"/>
             <a:r>
-              <a:rPr lang="en-US" smtClean="0"/>
+              <a:rPr lang="en-US"/>
               <a:t>Second level</a:t>
             </a:r>
           </a:p>
           <a:p>
             <a:pPr lvl="2"/>
             <a:r>
-              <a:rPr lang="en-US" smtClean="0"/>
+              <a:rPr lang="en-US"/>
               <a:t>Third level</a:t>
             </a:r>
           </a:p>
           <a:p>
             <a:pPr lvl="3"/>
             <a:r>
-              <a:rPr lang="en-US" smtClean="0"/>
+              <a:rPr lang="en-US"/>
               <a:t>Fourth level</a:t>
             </a:r>
           </a:p>
           <a:p>
             <a:pPr lvl="4"/>
             <a:r>
-              <a:rPr lang="en-US" smtClean="0"/>
+              <a:rPr lang="en-US"/>
               <a:t>Fifth level</a:t>
             </a:r>
-            <a:endParaRPr lang="en-US"/>
           </a:p>
         </p:txBody>
       </p:sp>
@@ -5078,38 +4987,37 @@
           <a:p>
             <a:pPr lvl="0"/>
             <a:r>
-              <a:rPr lang="en-US" smtClean="0"/>
+              <a:rPr lang="en-US"/>
               <a:t>Click to edit Master text styles</a:t>
             </a:r>
           </a:p>
           <a:p>
             <a:pPr lvl="1"/>
             <a:r>
-              <a:rPr lang="en-US" smtClean="0"/>
+              <a:rPr lang="en-US"/>
               <a:t>Second level</a:t>
             </a:r>
           </a:p>
           <a:p>
             <a:pPr lvl="2"/>
             <a:r>
-              <a:rPr lang="en-US" smtClean="0"/>
+              <a:rPr lang="en-US"/>
               <a:t>Third level</a:t>
             </a:r>
           </a:p>
           <a:p>
             <a:pPr lvl="3"/>
             <a:r>
-              <a:rPr lang="en-US" smtClean="0"/>
+              <a:rPr lang="en-US"/>
               <a:t>Fourth level</a:t>
             </a:r>
           </a:p>
           <a:p>
             <a:pPr lvl="4"/>
             <a:r>
-              <a:rPr lang="en-US" smtClean="0"/>
+              <a:rPr lang="en-US"/>
               <a:t>Fifth level</a:t>
             </a:r>
-            <a:endParaRPr lang="en-US"/>
           </a:p>
         </p:txBody>
       </p:sp>
@@ -5250,10 +5158,9 @@
           <a:lstStyle/>
           <a:p>
             <a:r>
-              <a:rPr lang="en-US" smtClean="0"/>
+              <a:rPr lang="en-US"/>
               <a:t>Click to edit Master title style</a:t>
             </a:r>
-            <a:endParaRPr lang="en-US"/>
           </a:p>
         </p:txBody>
       </p:sp>
@@ -5316,7 +5223,7 @@
           <a:p>
             <a:pPr lvl="0"/>
             <a:r>
-              <a:rPr lang="en-US" smtClean="0"/>
+              <a:rPr lang="en-US"/>
               <a:t>Click to edit Master text styles</a:t>
             </a:r>
           </a:p>
@@ -5344,38 +5251,37 @@
           <a:p>
             <a:pPr lvl="0"/>
             <a:r>
-              <a:rPr lang="en-US" smtClean="0"/>
+              <a:rPr lang="en-US"/>
               <a:t>Click to edit Master text styles</a:t>
             </a:r>
           </a:p>
           <a:p>
             <a:pPr lvl="1"/>
             <a:r>
-              <a:rPr lang="en-US" smtClean="0"/>
+              <a:rPr lang="en-US"/>
               <a:t>Second level</a:t>
             </a:r>
           </a:p>
           <a:p>
             <a:pPr lvl="2"/>
             <a:r>
-              <a:rPr lang="en-US" smtClean="0"/>
+              <a:rPr lang="en-US"/>
               <a:t>Third level</a:t>
             </a:r>
           </a:p>
           <a:p>
             <a:pPr lvl="3"/>
             <a:r>
-              <a:rPr lang="en-US" smtClean="0"/>
+              <a:rPr lang="en-US"/>
               <a:t>Fourth level</a:t>
             </a:r>
           </a:p>
           <a:p>
             <a:pPr lvl="4"/>
             <a:r>
-              <a:rPr lang="en-US" smtClean="0"/>
+              <a:rPr lang="en-US"/>
               <a:t>Fifth level</a:t>
             </a:r>
-            <a:endParaRPr lang="en-US"/>
           </a:p>
         </p:txBody>
       </p:sp>
@@ -5438,7 +5344,7 @@
           <a:p>
             <a:pPr lvl="0"/>
             <a:r>
-              <a:rPr lang="en-US" smtClean="0"/>
+              <a:rPr lang="en-US"/>
               <a:t>Click to edit Master text styles</a:t>
             </a:r>
           </a:p>
@@ -5466,38 +5372,37 @@
           <a:p>
             <a:pPr lvl="0"/>
             <a:r>
-              <a:rPr lang="en-US" smtClean="0"/>
+              <a:rPr lang="en-US"/>
               <a:t>Click to edit Master text styles</a:t>
             </a:r>
           </a:p>
           <a:p>
             <a:pPr lvl="1"/>
             <a:r>
-              <a:rPr lang="en-US" smtClean="0"/>
+              <a:rPr lang="en-US"/>
               <a:t>Second level</a:t>
             </a:r>
           </a:p>
           <a:p>
             <a:pPr lvl="2"/>
             <a:r>
-              <a:rPr lang="en-US" smtClean="0"/>
+              <a:rPr lang="en-US"/>
               <a:t>Third level</a:t>
             </a:r>
           </a:p>
           <a:p>
             <a:pPr lvl="3"/>
             <a:r>
-              <a:rPr lang="en-US" smtClean="0"/>
+              <a:rPr lang="en-US"/>
               <a:t>Fourth level</a:t>
             </a:r>
           </a:p>
           <a:p>
             <a:pPr lvl="4"/>
             <a:r>
-              <a:rPr lang="en-US" smtClean="0"/>
+              <a:rPr lang="en-US"/>
               <a:t>Fifth level</a:t>
             </a:r>
-            <a:endParaRPr lang="en-US"/>
           </a:p>
         </p:txBody>
       </p:sp>
@@ -5633,10 +5538,9 @@
           <a:lstStyle/>
           <a:p>
             <a:r>
-              <a:rPr lang="en-US" smtClean="0"/>
+              <a:rPr lang="en-US"/>
               <a:t>Click to edit Master title style</a:t>
             </a:r>
-            <a:endParaRPr lang="en-US"/>
           </a:p>
         </p:txBody>
       </p:sp>
@@ -5897,10 +5801,9 @@
           </a:lstStyle>
           <a:p>
             <a:r>
-              <a:rPr lang="en-US" smtClean="0"/>
+              <a:rPr lang="en-US"/>
               <a:t>Click to edit Master title style</a:t>
             </a:r>
-            <a:endParaRPr lang="en-US"/>
           </a:p>
         </p:txBody>
       </p:sp>
@@ -5954,38 +5857,37 @@
           <a:p>
             <a:pPr lvl="0"/>
             <a:r>
-              <a:rPr lang="en-US" smtClean="0"/>
+              <a:rPr lang="en-US"/>
               <a:t>Click to edit Master text styles</a:t>
             </a:r>
           </a:p>
           <a:p>
             <a:pPr lvl="1"/>
             <a:r>
-              <a:rPr lang="en-US" smtClean="0"/>
+              <a:rPr lang="en-US"/>
               <a:t>Second level</a:t>
             </a:r>
           </a:p>
           <a:p>
             <a:pPr lvl="2"/>
             <a:r>
-              <a:rPr lang="en-US" smtClean="0"/>
+              <a:rPr lang="en-US"/>
               <a:t>Third level</a:t>
             </a:r>
           </a:p>
           <a:p>
             <a:pPr lvl="3"/>
             <a:r>
-              <a:rPr lang="en-US" smtClean="0"/>
+              <a:rPr lang="en-US"/>
               <a:t>Fourth level</a:t>
             </a:r>
           </a:p>
           <a:p>
             <a:pPr lvl="4"/>
             <a:r>
-              <a:rPr lang="en-US" smtClean="0"/>
+              <a:rPr lang="en-US"/>
               <a:t>Fifth level</a:t>
             </a:r>
-            <a:endParaRPr lang="en-US"/>
           </a:p>
         </p:txBody>
       </p:sp>
@@ -6048,7 +5950,7 @@
           <a:p>
             <a:pPr lvl="0"/>
             <a:r>
-              <a:rPr lang="en-US" smtClean="0"/>
+              <a:rPr lang="en-US"/>
               <a:t>Click to edit Master text styles</a:t>
             </a:r>
           </a:p>
@@ -6195,10 +6097,9 @@
           </a:lstStyle>
           <a:p>
             <a:r>
-              <a:rPr lang="en-US" smtClean="0"/>
+              <a:rPr lang="en-US"/>
               <a:t>Click to edit Master title style</a:t>
             </a:r>
-            <a:endParaRPr lang="en-US"/>
           </a:p>
         </p:txBody>
       </p:sp>
@@ -6260,10 +6161,9 @@
           </a:lstStyle>
           <a:p>
             <a:r>
-              <a:rPr lang="en-US" smtClean="0"/>
+              <a:rPr lang="en-US"/>
               <a:t>Click icon to add picture</a:t>
             </a:r>
-            <a:endParaRPr lang="en-US"/>
           </a:p>
         </p:txBody>
       </p:sp>
@@ -6326,7 +6226,7 @@
           <a:p>
             <a:pPr lvl="0"/>
             <a:r>
-              <a:rPr lang="en-US" smtClean="0"/>
+              <a:rPr lang="en-US"/>
               <a:t>Click to edit Master text styles</a:t>
             </a:r>
           </a:p>
@@ -6473,7 +6373,7 @@
           </a:lstStyle>
           <a:p>
             <a:r>
-              <a:rPr lang="en-US" smtClean="0"/>
+              <a:rPr lang="en-US"/>
               <a:t>Click to edit Master title style</a:t>
             </a:r>
             <a:endParaRPr lang="en-CA"/>
@@ -6539,7 +6439,7 @@
           <a:p>
             <a:pPr lvl="0"/>
             <a:r>
-              <a:rPr lang="en-US" smtClean="0"/>
+              <a:rPr lang="en-US"/>
               <a:t>Click to edit Master text styles</a:t>
             </a:r>
           </a:p>
@@ -6649,13 +6549,6 @@
   <p:clrMapOvr>
     <a:masterClrMapping/>
   </p:clrMapOvr>
-  <p:timing>
-    <p:tnLst>
-      <p:par>
-        <p:cTn id="1" dur="indefinite" restart="never" nodeType="tmRoot"/>
-      </p:par>
-    </p:tnLst>
-  </p:timing>
 </p:sldLayout>
 </file>
 
@@ -6692,10 +6585,9 @@
           <a:lstStyle/>
           <a:p>
             <a:r>
-              <a:rPr lang="en-US" smtClean="0"/>
+              <a:rPr lang="en-US"/>
               <a:t>Click to edit Master title style</a:t>
             </a:r>
-            <a:endParaRPr lang="en-US"/>
           </a:p>
         </p:txBody>
       </p:sp>
@@ -6716,38 +6608,37 @@
           <a:p>
             <a:pPr lvl="0"/>
             <a:r>
-              <a:rPr lang="en-US" smtClean="0"/>
+              <a:rPr lang="en-US"/>
               <a:t>Click to edit Master text styles</a:t>
             </a:r>
           </a:p>
           <a:p>
             <a:pPr lvl="1"/>
             <a:r>
-              <a:rPr lang="en-US" smtClean="0"/>
+              <a:rPr lang="en-US"/>
               <a:t>Second level</a:t>
             </a:r>
           </a:p>
           <a:p>
             <a:pPr lvl="2"/>
             <a:r>
-              <a:rPr lang="en-US" smtClean="0"/>
+              <a:rPr lang="en-US"/>
               <a:t>Third level</a:t>
             </a:r>
           </a:p>
           <a:p>
             <a:pPr lvl="3"/>
             <a:r>
-              <a:rPr lang="en-US" smtClean="0"/>
+              <a:rPr lang="en-US"/>
               <a:t>Fourth level</a:t>
             </a:r>
           </a:p>
           <a:p>
             <a:pPr lvl="4"/>
             <a:r>
-              <a:rPr lang="en-US" smtClean="0"/>
+              <a:rPr lang="en-US"/>
               <a:t>Fifth level</a:t>
             </a:r>
-            <a:endParaRPr lang="en-US"/>
           </a:p>
         </p:txBody>
       </p:sp>
@@ -6888,10 +6779,9 @@
           <a:lstStyle/>
           <a:p>
             <a:r>
-              <a:rPr lang="en-US" smtClean="0"/>
+              <a:rPr lang="en-US"/>
               <a:t>Click to edit Master title style</a:t>
             </a:r>
-            <a:endParaRPr lang="en-US"/>
           </a:p>
         </p:txBody>
       </p:sp>
@@ -6917,38 +6807,37 @@
           <a:p>
             <a:pPr lvl="0"/>
             <a:r>
-              <a:rPr lang="en-US" smtClean="0"/>
+              <a:rPr lang="en-US"/>
               <a:t>Click to edit Master text styles</a:t>
             </a:r>
           </a:p>
           <a:p>
             <a:pPr lvl="1"/>
             <a:r>
-              <a:rPr lang="en-US" smtClean="0"/>
+              <a:rPr lang="en-US"/>
               <a:t>Second level</a:t>
             </a:r>
           </a:p>
           <a:p>
             <a:pPr lvl="2"/>
             <a:r>
-              <a:rPr lang="en-US" smtClean="0"/>
+              <a:rPr lang="en-US"/>
               <a:t>Third level</a:t>
             </a:r>
           </a:p>
           <a:p>
             <a:pPr lvl="3"/>
             <a:r>
-              <a:rPr lang="en-US" smtClean="0"/>
+              <a:rPr lang="en-US"/>
               <a:t>Fourth level</a:t>
             </a:r>
           </a:p>
           <a:p>
             <a:pPr lvl="4"/>
             <a:r>
-              <a:rPr lang="en-US" smtClean="0"/>
+              <a:rPr lang="en-US"/>
               <a:t>Fifth level</a:t>
             </a:r>
-            <a:endParaRPr lang="en-US"/>
           </a:p>
         </p:txBody>
       </p:sp>
@@ -7084,7 +6973,7 @@
           <a:lstStyle/>
           <a:p>
             <a:r>
-              <a:rPr lang="en-US" smtClean="0"/>
+              <a:rPr lang="en-US"/>
               <a:t>Click to edit Master title style</a:t>
             </a:r>
             <a:endParaRPr lang="en-CA"/>
@@ -7141,35 +7030,35 @@
           <a:p>
             <a:pPr lvl="0"/>
             <a:r>
-              <a:rPr lang="en-US" smtClean="0"/>
+              <a:rPr lang="en-US"/>
               <a:t>Click to edit Master text styles</a:t>
             </a:r>
           </a:p>
           <a:p>
             <a:pPr lvl="1"/>
             <a:r>
-              <a:rPr lang="en-US" smtClean="0"/>
+              <a:rPr lang="en-US"/>
               <a:t>Second level</a:t>
             </a:r>
           </a:p>
           <a:p>
             <a:pPr lvl="2"/>
             <a:r>
-              <a:rPr lang="en-US" smtClean="0"/>
+              <a:rPr lang="en-US"/>
               <a:t>Third level</a:t>
             </a:r>
           </a:p>
           <a:p>
             <a:pPr lvl="3"/>
             <a:r>
-              <a:rPr lang="en-US" smtClean="0"/>
+              <a:rPr lang="en-US"/>
               <a:t>Fourth level</a:t>
             </a:r>
           </a:p>
           <a:p>
             <a:pPr lvl="4"/>
             <a:r>
-              <a:rPr lang="en-US" smtClean="0"/>
+              <a:rPr lang="en-US"/>
               <a:t>Fifth level</a:t>
             </a:r>
             <a:endParaRPr lang="en-CA"/>
@@ -7226,35 +7115,35 @@
           <a:p>
             <a:pPr lvl="0"/>
             <a:r>
-              <a:rPr lang="en-US" smtClean="0"/>
+              <a:rPr lang="en-US"/>
               <a:t>Click to edit Master text styles</a:t>
             </a:r>
           </a:p>
           <a:p>
             <a:pPr lvl="1"/>
             <a:r>
-              <a:rPr lang="en-US" smtClean="0"/>
+              <a:rPr lang="en-US"/>
               <a:t>Second level</a:t>
             </a:r>
           </a:p>
           <a:p>
             <a:pPr lvl="2"/>
             <a:r>
-              <a:rPr lang="en-US" smtClean="0"/>
+              <a:rPr lang="en-US"/>
               <a:t>Third level</a:t>
             </a:r>
           </a:p>
           <a:p>
             <a:pPr lvl="3"/>
             <a:r>
-              <a:rPr lang="en-US" smtClean="0"/>
+              <a:rPr lang="en-US"/>
               <a:t>Fourth level</a:t>
             </a:r>
           </a:p>
           <a:p>
             <a:pPr lvl="4"/>
             <a:r>
-              <a:rPr lang="en-US" smtClean="0"/>
+              <a:rPr lang="en-US"/>
               <a:t>Fifth level</a:t>
             </a:r>
             <a:endParaRPr lang="en-CA"/>
@@ -7365,13 +7254,6 @@
   <p:clrMapOvr>
     <a:masterClrMapping/>
   </p:clrMapOvr>
-  <p:timing>
-    <p:tnLst>
-      <p:par>
-        <p:cTn id="1" dur="indefinite" restart="never" nodeType="tmRoot"/>
-      </p:par>
-    </p:tnLst>
-  </p:timing>
 </p:sldLayout>
 </file>
 
@@ -7417,7 +7299,7 @@
           </a:lstStyle>
           <a:p>
             <a:r>
-              <a:rPr lang="en-US" smtClean="0"/>
+              <a:rPr lang="en-US"/>
               <a:t>Click to edit Master title style</a:t>
             </a:r>
             <a:endParaRPr lang="en-CA"/>
@@ -7483,7 +7365,7 @@
           <a:p>
             <a:pPr lvl="0"/>
             <a:r>
-              <a:rPr lang="en-US" smtClean="0"/>
+              <a:rPr lang="en-US"/>
               <a:t>Click to edit Master text styles</a:t>
             </a:r>
           </a:p>
@@ -7539,35 +7421,35 @@
           <a:p>
             <a:pPr lvl="0"/>
             <a:r>
-              <a:rPr lang="en-US" smtClean="0"/>
+              <a:rPr lang="en-US"/>
               <a:t>Click to edit Master text styles</a:t>
             </a:r>
           </a:p>
           <a:p>
             <a:pPr lvl="1"/>
             <a:r>
-              <a:rPr lang="en-US" smtClean="0"/>
+              <a:rPr lang="en-US"/>
               <a:t>Second level</a:t>
             </a:r>
           </a:p>
           <a:p>
             <a:pPr lvl="2"/>
             <a:r>
-              <a:rPr lang="en-US" smtClean="0"/>
+              <a:rPr lang="en-US"/>
               <a:t>Third level</a:t>
             </a:r>
           </a:p>
           <a:p>
             <a:pPr lvl="3"/>
             <a:r>
-              <a:rPr lang="en-US" smtClean="0"/>
+              <a:rPr lang="en-US"/>
               <a:t>Fourth level</a:t>
             </a:r>
           </a:p>
           <a:p>
             <a:pPr lvl="4"/>
             <a:r>
-              <a:rPr lang="en-US" smtClean="0"/>
+              <a:rPr lang="en-US"/>
               <a:t>Fifth level</a:t>
             </a:r>
             <a:endParaRPr lang="en-CA"/>
@@ -7633,7 +7515,7 @@
           <a:p>
             <a:pPr lvl="0"/>
             <a:r>
-              <a:rPr lang="en-US" smtClean="0"/>
+              <a:rPr lang="en-US"/>
               <a:t>Click to edit Master text styles</a:t>
             </a:r>
           </a:p>
@@ -7689,35 +7571,35 @@
           <a:p>
             <a:pPr lvl="0"/>
             <a:r>
-              <a:rPr lang="en-US" smtClean="0"/>
+              <a:rPr lang="en-US"/>
               <a:t>Click to edit Master text styles</a:t>
             </a:r>
           </a:p>
           <a:p>
             <a:pPr lvl="1"/>
             <a:r>
-              <a:rPr lang="en-US" smtClean="0"/>
+              <a:rPr lang="en-US"/>
               <a:t>Second level</a:t>
             </a:r>
           </a:p>
           <a:p>
             <a:pPr lvl="2"/>
             <a:r>
-              <a:rPr lang="en-US" smtClean="0"/>
+              <a:rPr lang="en-US"/>
               <a:t>Third level</a:t>
             </a:r>
           </a:p>
           <a:p>
             <a:pPr lvl="3"/>
             <a:r>
-              <a:rPr lang="en-US" smtClean="0"/>
+              <a:rPr lang="en-US"/>
               <a:t>Fourth level</a:t>
             </a:r>
           </a:p>
           <a:p>
             <a:pPr lvl="4"/>
             <a:r>
-              <a:rPr lang="en-US" smtClean="0"/>
+              <a:rPr lang="en-US"/>
               <a:t>Fifth level</a:t>
             </a:r>
             <a:endParaRPr lang="en-CA"/>
@@ -7828,13 +7710,6 @@
   <p:clrMapOvr>
     <a:masterClrMapping/>
   </p:clrMapOvr>
-  <p:timing>
-    <p:tnLst>
-      <p:par>
-        <p:cTn id="1" dur="indefinite" restart="never" nodeType="tmRoot"/>
-      </p:par>
-    </p:tnLst>
-  </p:timing>
 </p:sldLayout>
 </file>
 
@@ -7871,7 +7746,7 @@
           <a:lstStyle/>
           <a:p>
             <a:r>
-              <a:rPr lang="en-US" smtClean="0"/>
+              <a:rPr lang="en-US"/>
               <a:t>Click to edit Master title style</a:t>
             </a:r>
             <a:endParaRPr lang="en-CA"/>
@@ -7982,13 +7857,6 @@
   <p:clrMapOvr>
     <a:masterClrMapping/>
   </p:clrMapOvr>
-  <p:timing>
-    <p:tnLst>
-      <p:par>
-        <p:cTn id="1" dur="indefinite" restart="never" nodeType="tmRoot"/>
-      </p:par>
-    </p:tnLst>
-  </p:timing>
 </p:sldLayout>
 </file>
 
@@ -8113,13 +7981,6 @@
   <p:clrMapOvr>
     <a:masterClrMapping/>
   </p:clrMapOvr>
-  <p:timing>
-    <p:tnLst>
-      <p:par>
-        <p:cTn id="1" dur="indefinite" restart="never" nodeType="tmRoot"/>
-      </p:par>
-    </p:tnLst>
-  </p:timing>
 </p:sldLayout>
 </file>
 
@@ -8165,7 +8026,7 @@
           </a:lstStyle>
           <a:p>
             <a:r>
-              <a:rPr lang="en-US" smtClean="0"/>
+              <a:rPr lang="en-US"/>
               <a:t>Click to edit Master title style</a:t>
             </a:r>
             <a:endParaRPr lang="en-CA"/>
@@ -8222,35 +8083,35 @@
           <a:p>
             <a:pPr lvl="0"/>
             <a:r>
-              <a:rPr lang="en-US" smtClean="0"/>
+              <a:rPr lang="en-US"/>
               <a:t>Click to edit Master text styles</a:t>
             </a:r>
           </a:p>
           <a:p>
             <a:pPr lvl="1"/>
             <a:r>
-              <a:rPr lang="en-US" smtClean="0"/>
+              <a:rPr lang="en-US"/>
               <a:t>Second level</a:t>
             </a:r>
           </a:p>
           <a:p>
             <a:pPr lvl="2"/>
             <a:r>
-              <a:rPr lang="en-US" smtClean="0"/>
+              <a:rPr lang="en-US"/>
               <a:t>Third level</a:t>
             </a:r>
           </a:p>
           <a:p>
             <a:pPr lvl="3"/>
             <a:r>
-              <a:rPr lang="en-US" smtClean="0"/>
+              <a:rPr lang="en-US"/>
               <a:t>Fourth level</a:t>
             </a:r>
           </a:p>
           <a:p>
             <a:pPr lvl="4"/>
             <a:r>
-              <a:rPr lang="en-US" smtClean="0"/>
+              <a:rPr lang="en-US"/>
               <a:t>Fifth level</a:t>
             </a:r>
             <a:endParaRPr lang="en-CA"/>
@@ -8316,7 +8177,7 @@
           <a:p>
             <a:pPr lvl="0"/>
             <a:r>
-              <a:rPr lang="en-US" smtClean="0"/>
+              <a:rPr lang="en-US"/>
               <a:t>Click to edit Master text styles</a:t>
             </a:r>
           </a:p>
@@ -8426,13 +8287,6 @@
   <p:clrMapOvr>
     <a:masterClrMapping/>
   </p:clrMapOvr>
-  <p:timing>
-    <p:tnLst>
-      <p:par>
-        <p:cTn id="1" dur="indefinite" restart="never" nodeType="tmRoot"/>
-      </p:par>
-    </p:tnLst>
-  </p:timing>
 </p:sldLayout>
 </file>
 
@@ -8478,7 +8332,7 @@
           </a:lstStyle>
           <a:p>
             <a:r>
-              <a:rPr lang="en-US" smtClean="0"/>
+              <a:rPr lang="en-US"/>
               <a:t>Click to edit Master title style</a:t>
             </a:r>
             <a:endParaRPr lang="en-CA"/>
@@ -8543,7 +8397,7 @@
           </a:lstStyle>
           <a:p>
             <a:r>
-              <a:rPr lang="en-US" smtClean="0"/>
+              <a:rPr lang="en-US"/>
               <a:t>Click icon to add picture</a:t>
             </a:r>
             <a:endParaRPr lang="en-CA"/>
@@ -8609,7 +8463,7 @@
           <a:p>
             <a:pPr lvl="0"/>
             <a:r>
-              <a:rPr lang="en-US" smtClean="0"/>
+              <a:rPr lang="en-US"/>
               <a:t>Click to edit Master text styles</a:t>
             </a:r>
           </a:p>
@@ -8719,13 +8573,6 @@
   <p:clrMapOvr>
     <a:masterClrMapping/>
   </p:clrMapOvr>
-  <p:timing>
-    <p:tnLst>
-      <p:par>
-        <p:cTn id="1" dur="indefinite" restart="never" nodeType="tmRoot"/>
-      </p:par>
-    </p:tnLst>
-  </p:timing>
 </p:sldLayout>
 </file>
 
@@ -8826,10 +8673,10 @@
           <a:p>
             <a:pPr lvl="0"/>
             <a:r>
-              <a:rPr lang="en-US" smtClean="0"/>
+              <a:rPr lang="en-US"/>
               <a:t>Click to edit Master title style</a:t>
             </a:r>
-            <a:endParaRPr lang="en-CA" dirty="0" smtClean="0"/>
+            <a:endParaRPr lang="en-CA" dirty="0"/>
           </a:p>
         </p:txBody>
       </p:sp>
@@ -8870,38 +8717,38 @@
           <a:p>
             <a:pPr lvl="0"/>
             <a:r>
-              <a:rPr lang="en-US" smtClean="0"/>
+              <a:rPr lang="en-US"/>
               <a:t>Click to edit Master text styles</a:t>
             </a:r>
           </a:p>
           <a:p>
             <a:pPr lvl="1"/>
             <a:r>
-              <a:rPr lang="en-US" smtClean="0"/>
+              <a:rPr lang="en-US"/>
               <a:t>Second level</a:t>
             </a:r>
           </a:p>
           <a:p>
             <a:pPr lvl="2"/>
             <a:r>
-              <a:rPr lang="en-US" smtClean="0"/>
+              <a:rPr lang="en-US"/>
               <a:t>Third level</a:t>
             </a:r>
           </a:p>
           <a:p>
             <a:pPr lvl="3"/>
             <a:r>
-              <a:rPr lang="en-US" smtClean="0"/>
+              <a:rPr lang="en-US"/>
               <a:t>Fourth level</a:t>
             </a:r>
           </a:p>
           <a:p>
             <a:pPr lvl="4"/>
             <a:r>
-              <a:rPr lang="en-US" smtClean="0"/>
+              <a:rPr lang="en-US"/>
               <a:t>Fifth level</a:t>
             </a:r>
-            <a:endParaRPr lang="en-CA" dirty="0" smtClean="0"/>
+            <a:endParaRPr lang="en-CA" dirty="0"/>
           </a:p>
         </p:txBody>
       </p:sp>
@@ -9123,13 +8970,6 @@
     <p:sldLayoutId id="2147483800" r:id="rId19"/>
     <p:sldLayoutId id="2147483656" r:id="rId20"/>
   </p:sldLayoutIdLst>
-  <p:timing>
-    <p:tnLst>
-      <p:par>
-        <p:cTn id="1" dur="indefinite" restart="never" nodeType="tmRoot"/>
-      </p:par>
-    </p:tnLst>
-  </p:timing>
   <p:hf hdr="0" ftr="0" dt="0"/>
   <p:txStyles>
     <p:titleStyle>
@@ -9555,10 +9395,9 @@
           <a:lstStyle/>
           <a:p>
             <a:r>
-              <a:rPr lang="en-US" smtClean="0"/>
+              <a:rPr lang="en-US"/>
               <a:t>Click to edit Master title style</a:t>
             </a:r>
-            <a:endParaRPr lang="en-US"/>
           </a:p>
         </p:txBody>
       </p:sp>
@@ -9589,38 +9428,37 @@
           <a:p>
             <a:pPr lvl="0"/>
             <a:r>
-              <a:rPr lang="en-US" smtClean="0"/>
+              <a:rPr lang="en-US"/>
               <a:t>Click to edit Master text styles</a:t>
             </a:r>
           </a:p>
           <a:p>
             <a:pPr lvl="1"/>
             <a:r>
-              <a:rPr lang="en-US" smtClean="0"/>
+              <a:rPr lang="en-US"/>
               <a:t>Second level</a:t>
             </a:r>
           </a:p>
           <a:p>
             <a:pPr lvl="2"/>
             <a:r>
-              <a:rPr lang="en-US" smtClean="0"/>
+              <a:rPr lang="en-US"/>
               <a:t>Third level</a:t>
             </a:r>
           </a:p>
           <a:p>
             <a:pPr lvl="3"/>
             <a:r>
-              <a:rPr lang="en-US" smtClean="0"/>
+              <a:rPr lang="en-US"/>
               <a:t>Fourth level</a:t>
             </a:r>
           </a:p>
           <a:p>
             <a:pPr lvl="4"/>
             <a:r>
-              <a:rPr lang="en-US" smtClean="0"/>
+              <a:rPr lang="en-US"/>
               <a:t>Fifth level</a:t>
             </a:r>
-            <a:endParaRPr lang="en-US"/>
           </a:p>
         </p:txBody>
       </p:sp>
@@ -10171,13 +10009,6 @@
       <p:transition spd="slow" advTm="30839"/>
     </mc:Fallback>
   </mc:AlternateContent>
-  <p:timing>
-    <p:tnLst>
-      <p:par>
-        <p:cTn id="1" dur="indefinite" restart="never" nodeType="tmRoot"/>
-      </p:par>
-    </p:tnLst>
-  </p:timing>
 </p:sld>
 </file>
 
@@ -10277,13 +10108,6 @@
   <p:clrMapOvr>
     <a:masterClrMapping/>
   </p:clrMapOvr>
-  <p:timing>
-    <p:tnLst>
-      <p:par>
-        <p:cTn id="1" dur="indefinite" restart="never" nodeType="tmRoot"/>
-      </p:par>
-    </p:tnLst>
-  </p:timing>
 </p:sld>
 </file>
 
@@ -10304,323 +10128,293 @@
           <a:chExt cx="0" cy="0"/>
         </a:xfrm>
       </p:grpSpPr>
-      <p:grpSp>
-        <p:nvGrpSpPr>
-          <p:cNvPr id="7" name="Group 6"/>
-          <p:cNvGrpSpPr/>
+      <p:pic>
+        <p:nvPicPr>
+          <p:cNvPr id="2060" name="Picture 12" descr="http://cfmm.robarts.ca/wp-content/uploads/2013/03/Functional_Metabolic_Mapping_RGB1.jpg"/>
+          <p:cNvPicPr>
+            <a:picLocks noChangeAspect="1" noChangeArrowheads="1"/>
+          </p:cNvPicPr>
           <p:nvPr/>
-        </p:nvGrpSpPr>
-        <p:grpSpPr>
-          <a:xfrm>
-            <a:off x="967561" y="5534316"/>
-            <a:ext cx="7208879" cy="1160897"/>
-            <a:chOff x="1481070" y="4974834"/>
-            <a:chExt cx="7797524" cy="1255691"/>
-          </a:xfrm>
-        </p:grpSpPr>
-        <p:pic>
-          <p:nvPicPr>
-            <p:cNvPr id="2060" name="Picture 12" descr="http://cfmm.robarts.ca/wp-content/uploads/2013/03/Functional_Metabolic_Mapping_RGB1.jpg"/>
-            <p:cNvPicPr>
-              <a:picLocks noChangeAspect="1" noChangeArrowheads="1"/>
-            </p:cNvPicPr>
-            <p:nvPr/>
-          </p:nvPicPr>
-          <p:blipFill>
-            <a:blip r:embed="rId3">
-              <a:extLst>
-                <a:ext uri="{28A0092B-C50C-407E-A947-70E740481C1C}">
-                  <a14:useLocalDpi xmlns:a14="http://schemas.microsoft.com/office/drawing/2010/main" val="0"/>
-                </a:ext>
-              </a:extLst>
-            </a:blip>
-            <a:srcRect/>
-            <a:stretch>
-              <a:fillRect/>
-            </a:stretch>
-          </p:blipFill>
-          <p:spPr bwMode="auto">
-            <a:xfrm>
-              <a:off x="6553453" y="4974834"/>
-              <a:ext cx="1616539" cy="498541"/>
-            </a:xfrm>
-            <a:prstGeom prst="rect">
-              <a:avLst/>
-            </a:prstGeom>
-            <a:noFill/>
+        </p:nvPicPr>
+        <p:blipFill>
+          <a:blip r:embed="rId3">
             <a:extLst>
-              <a:ext uri="{909E8E84-426E-40DD-AFC4-6F175D3DCCD1}">
-                <a14:hiddenFill xmlns:a14="http://schemas.microsoft.com/office/drawing/2010/main">
-                  <a:solidFill>
-                    <a:srgbClr val="FFFFFF"/>
-                  </a:solidFill>
-                </a14:hiddenFill>
+              <a:ext uri="{28A0092B-C50C-407E-A947-70E740481C1C}">
+                <a14:useLocalDpi xmlns:a14="http://schemas.microsoft.com/office/drawing/2010/main" val="0"/>
               </a:ext>
             </a:extLst>
-          </p:spPr>
-        </p:pic>
-        <p:pic>
-          <p:nvPicPr>
-            <p:cNvPr id="2052" name="Picture 4" descr="BrainsCAN.png"/>
-            <p:cNvPicPr>
-              <a:picLocks noChangeAspect="1" noChangeArrowheads="1"/>
-            </p:cNvPicPr>
-            <p:nvPr/>
-          </p:nvPicPr>
-          <p:blipFill>
-            <a:blip r:embed="rId4">
-              <a:extLst>
-                <a:ext uri="{28A0092B-C50C-407E-A947-70E740481C1C}">
-                  <a14:useLocalDpi xmlns:a14="http://schemas.microsoft.com/office/drawing/2010/main" val="0"/>
-                </a:ext>
-              </a:extLst>
-            </a:blip>
-            <a:srcRect/>
-            <a:stretch>
-              <a:fillRect/>
-            </a:stretch>
-          </p:blipFill>
-          <p:spPr bwMode="auto">
-            <a:xfrm>
-              <a:off x="3780856" y="4974835"/>
-              <a:ext cx="1617614" cy="498541"/>
-            </a:xfrm>
-            <a:prstGeom prst="rect">
-              <a:avLst/>
-            </a:prstGeom>
-            <a:noFill/>
+          </a:blip>
+          <a:srcRect/>
+          <a:stretch>
+            <a:fillRect/>
+          </a:stretch>
+        </p:blipFill>
+        <p:spPr bwMode="auto">
+          <a:xfrm>
+            <a:off x="5657023" y="5534316"/>
+            <a:ext cx="1494504" cy="460905"/>
+          </a:xfrm>
+          <a:prstGeom prst="rect">
+            <a:avLst/>
+          </a:prstGeom>
+          <a:noFill/>
+          <a:extLst>
+            <a:ext uri="{909E8E84-426E-40DD-AFC4-6F175D3DCCD1}">
+              <a14:hiddenFill xmlns:a14="http://schemas.microsoft.com/office/drawing/2010/main">
+                <a:solidFill>
+                  <a:srgbClr val="FFFFFF"/>
+                </a:solidFill>
+              </a14:hiddenFill>
+            </a:ext>
+          </a:extLst>
+        </p:spPr>
+      </p:pic>
+      <p:pic>
+        <p:nvPicPr>
+          <p:cNvPr id="2052" name="Picture 4" descr="BrainsCAN.png"/>
+          <p:cNvPicPr>
+            <a:picLocks noChangeAspect="1" noChangeArrowheads="1"/>
+          </p:cNvPicPr>
+          <p:nvPr/>
+        </p:nvPicPr>
+        <p:blipFill>
+          <a:blip r:embed="rId4">
             <a:extLst>
-              <a:ext uri="{909E8E84-426E-40DD-AFC4-6F175D3DCCD1}">
-                <a14:hiddenFill xmlns:a14="http://schemas.microsoft.com/office/drawing/2010/main">
-                  <a:solidFill>
-                    <a:srgbClr val="FFFFFF"/>
-                  </a:solidFill>
-                </a14:hiddenFill>
+              <a:ext uri="{28A0092B-C50C-407E-A947-70E740481C1C}">
+                <a14:useLocalDpi xmlns:a14="http://schemas.microsoft.com/office/drawing/2010/main" val="0"/>
               </a:ext>
             </a:extLst>
-          </p:spPr>
-        </p:pic>
-        <p:grpSp>
-          <p:nvGrpSpPr>
-            <p:cNvPr id="5" name="Group 4"/>
-            <p:cNvGrpSpPr/>
-            <p:nvPr/>
-          </p:nvGrpSpPr>
-          <p:grpSpPr>
-            <a:xfrm>
-              <a:off x="1481070" y="5571890"/>
-              <a:ext cx="7797524" cy="658635"/>
-              <a:chOff x="2490423" y="5571890"/>
-              <a:chExt cx="7797524" cy="658635"/>
-            </a:xfrm>
-          </p:grpSpPr>
-          <p:pic>
-            <p:nvPicPr>
-              <p:cNvPr id="2054" name="Picture 6" descr="Eplink.png"/>
-              <p:cNvPicPr>
-                <a:picLocks noChangeAspect="1" noChangeArrowheads="1"/>
-              </p:cNvPicPr>
-              <p:nvPr/>
-            </p:nvPicPr>
-            <p:blipFill>
-              <a:blip r:embed="rId5">
-                <a:extLst>
-                  <a:ext uri="{28A0092B-C50C-407E-A947-70E740481C1C}">
-                    <a14:useLocalDpi xmlns:a14="http://schemas.microsoft.com/office/drawing/2010/main" val="0"/>
-                  </a:ext>
-                </a:extLst>
-              </a:blip>
-              <a:srcRect/>
-              <a:stretch>
-                <a:fillRect/>
-              </a:stretch>
-            </p:blipFill>
-            <p:spPr bwMode="auto">
-              <a:xfrm>
-                <a:off x="4790209" y="5571925"/>
-                <a:ext cx="851290" cy="601997"/>
-              </a:xfrm>
-              <a:prstGeom prst="rect">
-                <a:avLst/>
-              </a:prstGeom>
-              <a:noFill/>
-              <a:extLst>
-                <a:ext uri="{909E8E84-426E-40DD-AFC4-6F175D3DCCD1}">
-                  <a14:hiddenFill xmlns:a14="http://schemas.microsoft.com/office/drawing/2010/main">
-                    <a:solidFill>
-                      <a:srgbClr val="FFFFFF"/>
-                    </a:solidFill>
-                  </a14:hiddenFill>
-                </a:ext>
-              </a:extLst>
-            </p:spPr>
-          </p:pic>
-          <p:pic>
-            <p:nvPicPr>
-              <p:cNvPr id="2056" name="Picture 8" descr="BrainCanada.png"/>
-              <p:cNvPicPr>
-                <a:picLocks noChangeAspect="1" noChangeArrowheads="1"/>
-              </p:cNvPicPr>
-              <p:nvPr/>
-            </p:nvPicPr>
-            <p:blipFill>
-              <a:blip r:embed="rId6">
-                <a:extLst>
-                  <a:ext uri="{28A0092B-C50C-407E-A947-70E740481C1C}">
-                    <a14:useLocalDpi xmlns:a14="http://schemas.microsoft.com/office/drawing/2010/main" val="0"/>
-                  </a:ext>
-                </a:extLst>
-              </a:blip>
-              <a:srcRect/>
-              <a:stretch>
-                <a:fillRect/>
-              </a:stretch>
-            </p:blipFill>
-            <p:spPr bwMode="auto">
-              <a:xfrm>
-                <a:off x="5811062" y="5614528"/>
-                <a:ext cx="1957873" cy="559393"/>
-              </a:xfrm>
-              <a:prstGeom prst="rect">
-                <a:avLst/>
-              </a:prstGeom>
-              <a:noFill/>
-              <a:extLst>
-                <a:ext uri="{909E8E84-426E-40DD-AFC4-6F175D3DCCD1}">
-                  <a14:hiddenFill xmlns:a14="http://schemas.microsoft.com/office/drawing/2010/main">
-                    <a:solidFill>
-                      <a:srgbClr val="FFFFFF"/>
-                    </a:solidFill>
-                  </a14:hiddenFill>
-                </a:ext>
-              </a:extLst>
-            </p:spPr>
-          </p:pic>
-          <p:pic>
-            <p:nvPicPr>
-              <p:cNvPr id="2058" name="Picture 10" descr="OBI.jpg"/>
-              <p:cNvPicPr>
-                <a:picLocks noChangeAspect="1" noChangeArrowheads="1"/>
-              </p:cNvPicPr>
-              <p:nvPr/>
-            </p:nvPicPr>
-            <p:blipFill>
-              <a:blip r:embed="rId7">
-                <a:extLst>
-                  <a:ext uri="{28A0092B-C50C-407E-A947-70E740481C1C}">
-                    <a14:useLocalDpi xmlns:a14="http://schemas.microsoft.com/office/drawing/2010/main" val="0"/>
-                  </a:ext>
-                </a:extLst>
-              </a:blip>
-              <a:srcRect/>
-              <a:stretch>
-                <a:fillRect/>
-              </a:stretch>
-            </p:blipFill>
-            <p:spPr bwMode="auto">
-              <a:xfrm>
-                <a:off x="2490423" y="5667375"/>
-                <a:ext cx="2158594" cy="506546"/>
-              </a:xfrm>
-              <a:prstGeom prst="rect">
-                <a:avLst/>
-              </a:prstGeom>
-              <a:noFill/>
-              <a:extLst>
-                <a:ext uri="{909E8E84-426E-40DD-AFC4-6F175D3DCCD1}">
-                  <a14:hiddenFill xmlns:a14="http://schemas.microsoft.com/office/drawing/2010/main">
-                    <a:solidFill>
-                      <a:srgbClr val="FFFFFF"/>
-                    </a:solidFill>
-                  </a14:hiddenFill>
-                </a:ext>
-              </a:extLst>
-            </p:spPr>
-          </p:pic>
-          <p:pic>
-            <p:nvPicPr>
-              <p:cNvPr id="14" name="Picture 14" descr="CIHR's leaf identifier - full-colour"/>
-              <p:cNvPicPr>
-                <a:picLocks noChangeAspect="1" noChangeArrowheads="1"/>
-              </p:cNvPicPr>
-              <p:nvPr/>
-            </p:nvPicPr>
-            <p:blipFill>
-              <a:blip r:embed="rId8">
-                <a:extLst>
-                  <a:ext uri="{28A0092B-C50C-407E-A947-70E740481C1C}">
-                    <a14:useLocalDpi xmlns:a14="http://schemas.microsoft.com/office/drawing/2010/main" val="0"/>
-                  </a:ext>
-                </a:extLst>
-              </a:blip>
-              <a:srcRect/>
-              <a:stretch>
-                <a:fillRect/>
-              </a:stretch>
-            </p:blipFill>
-            <p:spPr bwMode="auto">
-              <a:xfrm>
-                <a:off x="9265802" y="5572463"/>
-                <a:ext cx="1022145" cy="657488"/>
-              </a:xfrm>
-              <a:prstGeom prst="rect">
-                <a:avLst/>
-              </a:prstGeom>
-              <a:noFill/>
-              <a:extLst>
-                <a:ext uri="{909E8E84-426E-40DD-AFC4-6F175D3DCCD1}">
-                  <a14:hiddenFill xmlns:a14="http://schemas.microsoft.com/office/drawing/2010/main">
-                    <a:solidFill>
-                      <a:srgbClr val="FFFFFF"/>
-                    </a:solidFill>
-                  </a14:hiddenFill>
-                </a:ext>
-              </a:extLst>
-            </p:spPr>
-          </p:pic>
-          <p:pic>
-            <p:nvPicPr>
-              <p:cNvPr id="15" name="Picture 18" descr="http://www.nserc-crsng.gc.ca/_img/logos/NSERC_C.jpg"/>
-              <p:cNvPicPr>
-                <a:picLocks noChangeAspect="1" noChangeArrowheads="1"/>
-              </p:cNvPicPr>
-              <p:nvPr/>
-            </p:nvPicPr>
-            <p:blipFill>
-              <a:blip r:embed="rId9">
-                <a:extLst>
-                  <a:ext uri="{28A0092B-C50C-407E-A947-70E740481C1C}">
-                    <a14:useLocalDpi xmlns:a14="http://schemas.microsoft.com/office/drawing/2010/main" val="0"/>
-                  </a:ext>
-                </a:extLst>
-              </a:blip>
-              <a:srcRect/>
-              <a:stretch>
-                <a:fillRect/>
-              </a:stretch>
-            </p:blipFill>
-            <p:spPr bwMode="auto">
-              <a:xfrm>
-                <a:off x="7862076" y="5571890"/>
-                <a:ext cx="1317269" cy="658635"/>
-              </a:xfrm>
-              <a:prstGeom prst="rect">
-                <a:avLst/>
-              </a:prstGeom>
-              <a:noFill/>
-              <a:extLst>
-                <a:ext uri="{909E8E84-426E-40DD-AFC4-6F175D3DCCD1}">
-                  <a14:hiddenFill xmlns:a14="http://schemas.microsoft.com/office/drawing/2010/main">
-                    <a:solidFill>
-                      <a:srgbClr val="FFFFFF"/>
-                    </a:solidFill>
-                  </a14:hiddenFill>
-                </a:ext>
-              </a:extLst>
-            </p:spPr>
-          </p:pic>
-        </p:grpSp>
-      </p:grpSp>
+          </a:blip>
+          <a:srcRect/>
+          <a:stretch>
+            <a:fillRect/>
+          </a:stretch>
+        </p:blipFill>
+        <p:spPr bwMode="auto">
+          <a:xfrm>
+            <a:off x="3093733" y="5534317"/>
+            <a:ext cx="1495498" cy="460905"/>
+          </a:xfrm>
+          <a:prstGeom prst="rect">
+            <a:avLst/>
+          </a:prstGeom>
+          <a:noFill/>
+          <a:extLst>
+            <a:ext uri="{909E8E84-426E-40DD-AFC4-6F175D3DCCD1}">
+              <a14:hiddenFill xmlns:a14="http://schemas.microsoft.com/office/drawing/2010/main">
+                <a:solidFill>
+                  <a:srgbClr val="FFFFFF"/>
+                </a:solidFill>
+              </a14:hiddenFill>
+            </a:ext>
+          </a:extLst>
+        </p:spPr>
+      </p:pic>
+      <p:pic>
+        <p:nvPicPr>
+          <p:cNvPr id="2054" name="Picture 6" descr="Eplink.png"/>
+          <p:cNvPicPr>
+            <a:picLocks noChangeAspect="1" noChangeArrowheads="1"/>
+          </p:cNvPicPr>
+          <p:nvPr/>
+        </p:nvPicPr>
+        <p:blipFill>
+          <a:blip r:embed="rId5">
+            <a:extLst>
+              <a:ext uri="{28A0092B-C50C-407E-A947-70E740481C1C}">
+                <a14:useLocalDpi xmlns:a14="http://schemas.microsoft.com/office/drawing/2010/main" val="0"/>
+              </a:ext>
+            </a:extLst>
+          </a:blip>
+          <a:srcRect/>
+          <a:stretch>
+            <a:fillRect/>
+          </a:stretch>
+        </p:blipFill>
+        <p:spPr bwMode="auto">
+          <a:xfrm>
+            <a:off x="3093733" y="6086331"/>
+            <a:ext cx="787025" cy="556552"/>
+          </a:xfrm>
+          <a:prstGeom prst="rect">
+            <a:avLst/>
+          </a:prstGeom>
+          <a:noFill/>
+          <a:extLst>
+            <a:ext uri="{909E8E84-426E-40DD-AFC4-6F175D3DCCD1}">
+              <a14:hiddenFill xmlns:a14="http://schemas.microsoft.com/office/drawing/2010/main">
+                <a:solidFill>
+                  <a:srgbClr val="FFFFFF"/>
+                </a:solidFill>
+              </a14:hiddenFill>
+            </a:ext>
+          </a:extLst>
+        </p:spPr>
+      </p:pic>
+      <p:pic>
+        <p:nvPicPr>
+          <p:cNvPr id="2056" name="Picture 8" descr="BrainCanada.png"/>
+          <p:cNvPicPr>
+            <a:picLocks noChangeAspect="1" noChangeArrowheads="1"/>
+          </p:cNvPicPr>
+          <p:nvPr/>
+        </p:nvPicPr>
+        <p:blipFill>
+          <a:blip r:embed="rId6">
+            <a:extLst>
+              <a:ext uri="{28A0092B-C50C-407E-A947-70E740481C1C}">
+                <a14:useLocalDpi xmlns:a14="http://schemas.microsoft.com/office/drawing/2010/main" val="0"/>
+              </a:ext>
+            </a:extLst>
+          </a:blip>
+          <a:srcRect/>
+          <a:stretch>
+            <a:fillRect/>
+          </a:stretch>
+        </p:blipFill>
+        <p:spPr bwMode="auto">
+          <a:xfrm>
+            <a:off x="4037521" y="6125718"/>
+            <a:ext cx="1810071" cy="517164"/>
+          </a:xfrm>
+          <a:prstGeom prst="rect">
+            <a:avLst/>
+          </a:prstGeom>
+          <a:noFill/>
+          <a:extLst>
+            <a:ext uri="{909E8E84-426E-40DD-AFC4-6F175D3DCCD1}">
+              <a14:hiddenFill xmlns:a14="http://schemas.microsoft.com/office/drawing/2010/main">
+                <a:solidFill>
+                  <a:srgbClr val="FFFFFF"/>
+                </a:solidFill>
+              </a14:hiddenFill>
+            </a:ext>
+          </a:extLst>
+        </p:spPr>
+      </p:pic>
+      <p:pic>
+        <p:nvPicPr>
+          <p:cNvPr id="2058" name="Picture 10" descr="OBI.jpg"/>
+          <p:cNvPicPr>
+            <a:picLocks noChangeAspect="1" noChangeArrowheads="1"/>
+          </p:cNvPicPr>
+          <p:nvPr/>
+        </p:nvPicPr>
+        <p:blipFill>
+          <a:blip r:embed="rId7">
+            <a:extLst>
+              <a:ext uri="{28A0092B-C50C-407E-A947-70E740481C1C}">
+                <a14:useLocalDpi xmlns:a14="http://schemas.microsoft.com/office/drawing/2010/main" val="0"/>
+              </a:ext>
+            </a:extLst>
+          </a:blip>
+          <a:srcRect/>
+          <a:stretch>
+            <a:fillRect/>
+          </a:stretch>
+        </p:blipFill>
+        <p:spPr bwMode="auto">
+          <a:xfrm>
+            <a:off x="967561" y="6174576"/>
+            <a:ext cx="1995639" cy="468306"/>
+          </a:xfrm>
+          <a:prstGeom prst="rect">
+            <a:avLst/>
+          </a:prstGeom>
+          <a:noFill/>
+          <a:extLst>
+            <a:ext uri="{909E8E84-426E-40DD-AFC4-6F175D3DCCD1}">
+              <a14:hiddenFill xmlns:a14="http://schemas.microsoft.com/office/drawing/2010/main">
+                <a:solidFill>
+                  <a:srgbClr val="FFFFFF"/>
+                </a:solidFill>
+              </a14:hiddenFill>
+            </a:ext>
+          </a:extLst>
+        </p:spPr>
+      </p:pic>
+      <p:pic>
+        <p:nvPicPr>
+          <p:cNvPr id="14" name="Picture 14" descr="CIHR's leaf identifier - full-colour"/>
+          <p:cNvPicPr>
+            <a:picLocks noChangeAspect="1" noChangeArrowheads="1"/>
+          </p:cNvPicPr>
+          <p:nvPr/>
+        </p:nvPicPr>
+        <p:blipFill>
+          <a:blip r:embed="rId8">
+            <a:extLst>
+              <a:ext uri="{28A0092B-C50C-407E-A947-70E740481C1C}">
+                <a14:useLocalDpi xmlns:a14="http://schemas.microsoft.com/office/drawing/2010/main" val="0"/>
+              </a:ext>
+            </a:extLst>
+          </a:blip>
+          <a:srcRect/>
+          <a:stretch>
+            <a:fillRect/>
+          </a:stretch>
+        </p:blipFill>
+        <p:spPr bwMode="auto">
+          <a:xfrm>
+            <a:off x="7231458" y="6086829"/>
+            <a:ext cx="944982" cy="607854"/>
+          </a:xfrm>
+          <a:prstGeom prst="rect">
+            <a:avLst/>
+          </a:prstGeom>
+          <a:noFill/>
+          <a:extLst>
+            <a:ext uri="{909E8E84-426E-40DD-AFC4-6F175D3DCCD1}">
+              <a14:hiddenFill xmlns:a14="http://schemas.microsoft.com/office/drawing/2010/main">
+                <a:solidFill>
+                  <a:srgbClr val="FFFFFF"/>
+                </a:solidFill>
+              </a14:hiddenFill>
+            </a:ext>
+          </a:extLst>
+        </p:spPr>
+      </p:pic>
+      <p:pic>
+        <p:nvPicPr>
+          <p:cNvPr id="15" name="Picture 18" descr="http://www.nserc-crsng.gc.ca/_img/logos/NSERC_C.jpg"/>
+          <p:cNvPicPr>
+            <a:picLocks noChangeAspect="1" noChangeArrowheads="1"/>
+          </p:cNvPicPr>
+          <p:nvPr/>
+        </p:nvPicPr>
+        <p:blipFill>
+          <a:blip r:embed="rId9">
+            <a:extLst>
+              <a:ext uri="{28A0092B-C50C-407E-A947-70E740481C1C}">
+                <a14:useLocalDpi xmlns:a14="http://schemas.microsoft.com/office/drawing/2010/main" val="0"/>
+              </a:ext>
+            </a:extLst>
+          </a:blip>
+          <a:srcRect/>
+          <a:stretch>
+            <a:fillRect/>
+          </a:stretch>
+        </p:blipFill>
+        <p:spPr bwMode="auto">
+          <a:xfrm>
+            <a:off x="5933701" y="6086299"/>
+            <a:ext cx="1217827" cy="608914"/>
+          </a:xfrm>
+          <a:prstGeom prst="rect">
+            <a:avLst/>
+          </a:prstGeom>
+          <a:noFill/>
+          <a:extLst>
+            <a:ext uri="{909E8E84-426E-40DD-AFC4-6F175D3DCCD1}">
+              <a14:hiddenFill xmlns:a14="http://schemas.microsoft.com/office/drawing/2010/main">
+                <a:solidFill>
+                  <a:srgbClr val="FFFFFF"/>
+                </a:solidFill>
+              </a14:hiddenFill>
+            </a:ext>
+          </a:extLst>
+        </p:spPr>
+      </p:pic>
       <p:sp>
         <p:nvSpPr>
           <p:cNvPr id="8" name="Content Placeholder 7"/>
@@ -10739,13 +10533,6 @@
   <p:clrMapOvr>
     <a:masterClrMapping/>
   </p:clrMapOvr>
-  <p:timing>
-    <p:tnLst>
-      <p:par>
-        <p:cTn id="1" dur="indefinite" restart="never" nodeType="tmRoot"/>
-      </p:par>
-    </p:tnLst>
-  </p:timing>
 </p:sld>
 </file>
 
